--- a/downloads/对联.pptx
+++ b/downloads/对联.pptx
@@ -2073,11 +2073,11 @@
         </a:p>
       </dgm:t>
     </dgm:pt>
-    <dgm:pt modelId="{A1CD0B47-03FC-4535-A972-2673574CE2F3}" cxnId="{0EEF37EB-8A60-477E-B612-CEC270D54382}" type="parTrans">
+    <dgm:pt modelId="{A1CD0B47-03FC-4535-A972-2673574CE2F3}" cxnId="{599985B8-41EB-4C87-8DE4-53FD48A05801}" type="parTrans">
       <dgm:prSet/>
       <dgm:spPr/>
     </dgm:pt>
-    <dgm:pt modelId="{66283CB7-69B8-41D5-A569-950515985F71}" cxnId="{0EEF37EB-8A60-477E-B612-CEC270D54382}" type="sibTrans">
+    <dgm:pt modelId="{66283CB7-69B8-41D5-A569-950515985F71}" cxnId="{599985B8-41EB-4C87-8DE4-53FD48A05801}" type="sibTrans">
       <dgm:prSet/>
       <dgm:spPr/>
     </dgm:pt>
@@ -2119,11 +2119,11 @@
         </a:p>
       </dgm:t>
     </dgm:pt>
-    <dgm:pt modelId="{E2B15CF1-464F-45CC-BFE4-6F0AA417C19E}" cxnId="{F30BF8B5-99A6-4DFA-99DB-2B144C0C4153}" type="parTrans">
+    <dgm:pt modelId="{E2B15CF1-464F-45CC-BFE4-6F0AA417C19E}" cxnId="{518A6500-2E40-45FC-9A6B-B549A3FA052F}" type="parTrans">
       <dgm:prSet/>
       <dgm:spPr/>
     </dgm:pt>
-    <dgm:pt modelId="{4EA87785-B7B3-4F48-BB13-D91C5DEA8DC1}" cxnId="{F30BF8B5-99A6-4DFA-99DB-2B144C0C4153}" type="sibTrans">
+    <dgm:pt modelId="{4EA87785-B7B3-4F48-BB13-D91C5DEA8DC1}" cxnId="{518A6500-2E40-45FC-9A6B-B549A3FA052F}" type="sibTrans">
       <dgm:prSet/>
       <dgm:spPr/>
     </dgm:pt>
@@ -2149,7 +2149,7 @@
               <a:latin typeface="等线 Light" panose="02010600030101010101" charset="-122"/>
               <a:ea typeface="等线 Light" panose="02010600030101010101" charset="-122"/>
             </a:rPr>
-            <a:t>春联</a:t>
+            <a:t>对联</a:t>
           </a:r>
           <a:r>
             <a:rPr lang="zh-CN" altLang="en-US">
@@ -2172,11 +2172,11 @@
         </a:p>
       </dgm:t>
     </dgm:pt>
-    <dgm:pt modelId="{62CE1C4C-AE05-4247-9728-BCA5F5CA780A}" cxnId="{7D3BB3A0-DA34-4507-88C8-FAEEC9188E97}" type="parTrans">
+    <dgm:pt modelId="{62CE1C4C-AE05-4247-9728-BCA5F5CA780A}" cxnId="{0E99881D-72E8-4CF1-AB46-736F197E93CE}" type="parTrans">
       <dgm:prSet/>
       <dgm:spPr/>
     </dgm:pt>
-    <dgm:pt modelId="{F463D266-32E5-414A-9781-DA46FFE60955}" cxnId="{7D3BB3A0-DA34-4507-88C8-FAEEC9188E97}" type="sibTrans">
+    <dgm:pt modelId="{F463D266-32E5-414A-9781-DA46FFE60955}" cxnId="{0E99881D-72E8-4CF1-AB46-736F197E93CE}" type="sibTrans">
       <dgm:prSet/>
       <dgm:spPr/>
     </dgm:pt>
@@ -2268,26 +2268,26 @@
     </dgm:pt>
   </dgm:ptLst>
   <dgm:cxnLst>
-    <dgm:cxn modelId="{0EEF37EB-8A60-477E-B612-CEC270D54382}" srcId="{800EE499-D129-484D-B5C0-D0F3AC30E8B1}" destId="{BEB4A0DE-FB16-4C4F-8DEA-03570694B93A}" srcOrd="0" destOrd="0" parTransId="{A1CD0B47-03FC-4535-A972-2673574CE2F3}" sibTransId="{66283CB7-69B8-41D5-A569-950515985F71}"/>
-    <dgm:cxn modelId="{F30BF8B5-99A6-4DFA-99DB-2B144C0C4153}" srcId="{800EE499-D129-484D-B5C0-D0F3AC30E8B1}" destId="{11A5EA0A-517A-463B-9BA8-5EB54D7D10F8}" srcOrd="1" destOrd="0" parTransId="{E2B15CF1-464F-45CC-BFE4-6F0AA417C19E}" sibTransId="{4EA87785-B7B3-4F48-BB13-D91C5DEA8DC1}"/>
-    <dgm:cxn modelId="{7D3BB3A0-DA34-4507-88C8-FAEEC9188E97}" srcId="{800EE499-D129-484D-B5C0-D0F3AC30E8B1}" destId="{25EF8B53-4C57-43A4-9FE1-40C318A0AD88}" srcOrd="2" destOrd="0" parTransId="{62CE1C4C-AE05-4247-9728-BCA5F5CA780A}" sibTransId="{F463D266-32E5-414A-9781-DA46FFE60955}"/>
-    <dgm:cxn modelId="{282C7411-85A5-4DDD-A505-1ADDB3ECF048}" type="presOf" srcId="{800EE499-D129-484D-B5C0-D0F3AC30E8B1}" destId="{3A30B1D0-F146-41C6-9373-8CC849B0566C}" srcOrd="0" destOrd="0" presId="urn:microsoft.com/office/officeart/2005/8/layout/vList3"/>
-    <dgm:cxn modelId="{B242A649-BEA5-4261-841F-3F1A2B00CF6A}" type="presParOf" srcId="{3A30B1D0-F146-41C6-9373-8CC849B0566C}" destId="{65AAD8D9-A2BB-4BC0-ADC4-32A3E0934999}" srcOrd="0" destOrd="0" presId="urn:microsoft.com/office/officeart/2005/8/layout/vList3"/>
-    <dgm:cxn modelId="{9FEDF080-717E-4149-8DE1-31353E3CD8D5}" type="presParOf" srcId="{65AAD8D9-A2BB-4BC0-ADC4-32A3E0934999}" destId="{F8DF891C-0D10-4055-A8A8-3FC34ADEDC5B}" srcOrd="0" destOrd="0" presId="urn:microsoft.com/office/officeart/2005/8/layout/vList3"/>
-    <dgm:cxn modelId="{628837FD-E93B-4039-B185-D54079928254}" type="presParOf" srcId="{65AAD8D9-A2BB-4BC0-ADC4-32A3E0934999}" destId="{5D3E6026-A697-4D8F-84B5-C5321A8528B3}" srcOrd="1" destOrd="0" presId="urn:microsoft.com/office/officeart/2005/8/layout/vList3"/>
-    <dgm:cxn modelId="{B2B2706C-4623-4A9D-BAED-FB1537E20360}" type="presOf" srcId="{BEB4A0DE-FB16-4C4F-8DEA-03570694B93A}" destId="{5D3E6026-A697-4D8F-84B5-C5321A8528B3}" srcOrd="0" destOrd="0" presId="urn:microsoft.com/office/officeart/2005/8/layout/vList3"/>
-    <dgm:cxn modelId="{7229E4E2-226F-43AC-8A17-9096DB07B316}" type="presParOf" srcId="{3A30B1D0-F146-41C6-9373-8CC849B0566C}" destId="{01F33C7F-4C3C-42D3-8542-4BC345A10B4C}" srcOrd="1" destOrd="0" presId="urn:microsoft.com/office/officeart/2005/8/layout/vList3"/>
-    <dgm:cxn modelId="{9398AE50-F9A8-4596-8AAE-50EA3148FFC6}" type="presOf" srcId="{66283CB7-69B8-41D5-A569-950515985F71}" destId="{01F33C7F-4C3C-42D3-8542-4BC345A10B4C}" srcOrd="0" destOrd="0" presId="urn:microsoft.com/office/officeart/2005/8/layout/vList3"/>
-    <dgm:cxn modelId="{B71B7668-A628-4996-A9C3-6792DF96C231}" type="presParOf" srcId="{3A30B1D0-F146-41C6-9373-8CC849B0566C}" destId="{5373068E-DCEB-4D3C-BFF1-43C34CE727FD}" srcOrd="2" destOrd="0" presId="urn:microsoft.com/office/officeart/2005/8/layout/vList3"/>
-    <dgm:cxn modelId="{FC3886E6-8548-4931-B9EA-3D01E534A384}" type="presParOf" srcId="{5373068E-DCEB-4D3C-BFF1-43C34CE727FD}" destId="{48C23F44-CDC2-4998-B9C4-F737C51D3228}" srcOrd="0" destOrd="2" presId="urn:microsoft.com/office/officeart/2005/8/layout/vList3"/>
-    <dgm:cxn modelId="{A931420F-6F7E-4FA5-81E5-B5F726B924E2}" type="presParOf" srcId="{5373068E-DCEB-4D3C-BFF1-43C34CE727FD}" destId="{DC27DDA6-73A4-45AF-8B52-70E594C6E063}" srcOrd="1" destOrd="2" presId="urn:microsoft.com/office/officeart/2005/8/layout/vList3"/>
-    <dgm:cxn modelId="{E593F3E0-18BB-41E8-838D-81041D713757}" type="presOf" srcId="{11A5EA0A-517A-463B-9BA8-5EB54D7D10F8}" destId="{DC27DDA6-73A4-45AF-8B52-70E594C6E063}" srcOrd="0" destOrd="0" presId="urn:microsoft.com/office/officeart/2005/8/layout/vList3"/>
-    <dgm:cxn modelId="{ED00E061-99A3-4412-BCC6-F7DC6AD67B74}" type="presParOf" srcId="{3A30B1D0-F146-41C6-9373-8CC849B0566C}" destId="{1BD648EC-230D-47E1-A618-F93D265B0703}" srcOrd="3" destOrd="0" presId="urn:microsoft.com/office/officeart/2005/8/layout/vList3"/>
-    <dgm:cxn modelId="{897490C0-6AC4-4E3E-B661-C1A96B70841D}" type="presOf" srcId="{4EA87785-B7B3-4F48-BB13-D91C5DEA8DC1}" destId="{1BD648EC-230D-47E1-A618-F93D265B0703}" srcOrd="0" destOrd="0" presId="urn:microsoft.com/office/officeart/2005/8/layout/vList3"/>
-    <dgm:cxn modelId="{71E4C15A-0228-40C1-A698-B21183D369A5}" type="presParOf" srcId="{3A30B1D0-F146-41C6-9373-8CC849B0566C}" destId="{7D4A810A-A6D4-47BA-AF8D-AB4F73C04080}" srcOrd="4" destOrd="0" presId="urn:microsoft.com/office/officeart/2005/8/layout/vList3"/>
-    <dgm:cxn modelId="{5F46C08F-DCDD-4352-B3ED-E2F0D0D3C733}" type="presParOf" srcId="{7D4A810A-A6D4-47BA-AF8D-AB4F73C04080}" destId="{69DE5637-6198-4292-ADFF-69DC2A063BC5}" srcOrd="0" destOrd="4" presId="urn:microsoft.com/office/officeart/2005/8/layout/vList3"/>
-    <dgm:cxn modelId="{6F84A39A-5E6D-4DB3-AF67-1253E26A383C}" type="presParOf" srcId="{7D4A810A-A6D4-47BA-AF8D-AB4F73C04080}" destId="{00C34D87-B2DD-493A-BAA2-1A14EA17DEB1}" srcOrd="1" destOrd="4" presId="urn:microsoft.com/office/officeart/2005/8/layout/vList3"/>
-    <dgm:cxn modelId="{5B174061-C330-4315-949D-34D1C4ED40CE}" type="presOf" srcId="{25EF8B53-4C57-43A4-9FE1-40C318A0AD88}" destId="{00C34D87-B2DD-493A-BAA2-1A14EA17DEB1}" srcOrd="0" destOrd="0" presId="urn:microsoft.com/office/officeart/2005/8/layout/vList3"/>
+    <dgm:cxn modelId="{599985B8-41EB-4C87-8DE4-53FD48A05801}" srcId="{800EE499-D129-484D-B5C0-D0F3AC30E8B1}" destId="{BEB4A0DE-FB16-4C4F-8DEA-03570694B93A}" srcOrd="0" destOrd="0" parTransId="{A1CD0B47-03FC-4535-A972-2673574CE2F3}" sibTransId="{66283CB7-69B8-41D5-A569-950515985F71}"/>
+    <dgm:cxn modelId="{518A6500-2E40-45FC-9A6B-B549A3FA052F}" srcId="{800EE499-D129-484D-B5C0-D0F3AC30E8B1}" destId="{11A5EA0A-517A-463B-9BA8-5EB54D7D10F8}" srcOrd="1" destOrd="0" parTransId="{E2B15CF1-464F-45CC-BFE4-6F0AA417C19E}" sibTransId="{4EA87785-B7B3-4F48-BB13-D91C5DEA8DC1}"/>
+    <dgm:cxn modelId="{0E99881D-72E8-4CF1-AB46-736F197E93CE}" srcId="{800EE499-D129-484D-B5C0-D0F3AC30E8B1}" destId="{25EF8B53-4C57-43A4-9FE1-40C318A0AD88}" srcOrd="2" destOrd="0" parTransId="{62CE1C4C-AE05-4247-9728-BCA5F5CA780A}" sibTransId="{F463D266-32E5-414A-9781-DA46FFE60955}"/>
+    <dgm:cxn modelId="{C12D958B-07D3-4CE3-B5FD-3A60F6C3930B}" type="presOf" srcId="{800EE499-D129-484D-B5C0-D0F3AC30E8B1}" destId="{3A30B1D0-F146-41C6-9373-8CC849B0566C}" srcOrd="0" destOrd="0" presId="urn:microsoft.com/office/officeart/2005/8/layout/vList3"/>
+    <dgm:cxn modelId="{0C6656F7-F88E-4D6F-A61B-05BE6874F1CC}" type="presParOf" srcId="{3A30B1D0-F146-41C6-9373-8CC849B0566C}" destId="{65AAD8D9-A2BB-4BC0-ADC4-32A3E0934999}" srcOrd="0" destOrd="0" presId="urn:microsoft.com/office/officeart/2005/8/layout/vList3"/>
+    <dgm:cxn modelId="{138038A2-5B02-4FD3-A16F-923A40412E78}" type="presParOf" srcId="{65AAD8D9-A2BB-4BC0-ADC4-32A3E0934999}" destId="{F8DF891C-0D10-4055-A8A8-3FC34ADEDC5B}" srcOrd="0" destOrd="0" presId="urn:microsoft.com/office/officeart/2005/8/layout/vList3"/>
+    <dgm:cxn modelId="{67F5D140-B835-4B79-9282-9288E594450E}" type="presParOf" srcId="{65AAD8D9-A2BB-4BC0-ADC4-32A3E0934999}" destId="{5D3E6026-A697-4D8F-84B5-C5321A8528B3}" srcOrd="1" destOrd="0" presId="urn:microsoft.com/office/officeart/2005/8/layout/vList3"/>
+    <dgm:cxn modelId="{C16EE814-5B2A-495C-B6FF-8AA035BA8742}" type="presOf" srcId="{BEB4A0DE-FB16-4C4F-8DEA-03570694B93A}" destId="{5D3E6026-A697-4D8F-84B5-C5321A8528B3}" srcOrd="0" destOrd="0" presId="urn:microsoft.com/office/officeart/2005/8/layout/vList3"/>
+    <dgm:cxn modelId="{2828D13D-B501-4119-BE4C-2CCF1EBB8D11}" type="presParOf" srcId="{3A30B1D0-F146-41C6-9373-8CC849B0566C}" destId="{01F33C7F-4C3C-42D3-8542-4BC345A10B4C}" srcOrd="1" destOrd="0" presId="urn:microsoft.com/office/officeart/2005/8/layout/vList3"/>
+    <dgm:cxn modelId="{EA842A98-E7F2-43BD-8DF8-3331D642ADFC}" type="presOf" srcId="{66283CB7-69B8-41D5-A569-950515985F71}" destId="{01F33C7F-4C3C-42D3-8542-4BC345A10B4C}" srcOrd="0" destOrd="0" presId="urn:microsoft.com/office/officeart/2005/8/layout/vList3"/>
+    <dgm:cxn modelId="{2ACFC2C5-FE11-4DCD-A359-DB4352506F64}" type="presParOf" srcId="{3A30B1D0-F146-41C6-9373-8CC849B0566C}" destId="{5373068E-DCEB-4D3C-BFF1-43C34CE727FD}" srcOrd="2" destOrd="0" presId="urn:microsoft.com/office/officeart/2005/8/layout/vList3"/>
+    <dgm:cxn modelId="{1CCE5932-EDCE-48B2-879E-A34993BF6994}" type="presParOf" srcId="{5373068E-DCEB-4D3C-BFF1-43C34CE727FD}" destId="{48C23F44-CDC2-4998-B9C4-F737C51D3228}" srcOrd="0" destOrd="2" presId="urn:microsoft.com/office/officeart/2005/8/layout/vList3"/>
+    <dgm:cxn modelId="{DF853D67-5A98-4312-9056-5532486F2D4B}" type="presParOf" srcId="{5373068E-DCEB-4D3C-BFF1-43C34CE727FD}" destId="{DC27DDA6-73A4-45AF-8B52-70E594C6E063}" srcOrd="1" destOrd="2" presId="urn:microsoft.com/office/officeart/2005/8/layout/vList3"/>
+    <dgm:cxn modelId="{E6046837-27EA-4E98-9D12-790EC3A57743}" type="presOf" srcId="{11A5EA0A-517A-463B-9BA8-5EB54D7D10F8}" destId="{DC27DDA6-73A4-45AF-8B52-70E594C6E063}" srcOrd="0" destOrd="0" presId="urn:microsoft.com/office/officeart/2005/8/layout/vList3"/>
+    <dgm:cxn modelId="{4F589C80-B20C-45E3-83EA-AD64D22BAD1B}" type="presParOf" srcId="{3A30B1D0-F146-41C6-9373-8CC849B0566C}" destId="{1BD648EC-230D-47E1-A618-F93D265B0703}" srcOrd="3" destOrd="0" presId="urn:microsoft.com/office/officeart/2005/8/layout/vList3"/>
+    <dgm:cxn modelId="{E496F7FB-2352-4E69-93D1-6962460D372D}" type="presOf" srcId="{4EA87785-B7B3-4F48-BB13-D91C5DEA8DC1}" destId="{1BD648EC-230D-47E1-A618-F93D265B0703}" srcOrd="0" destOrd="0" presId="urn:microsoft.com/office/officeart/2005/8/layout/vList3"/>
+    <dgm:cxn modelId="{FEE03A9A-7033-455C-B28F-41C6B1498AA9}" type="presParOf" srcId="{3A30B1D0-F146-41C6-9373-8CC849B0566C}" destId="{7D4A810A-A6D4-47BA-AF8D-AB4F73C04080}" srcOrd="4" destOrd="0" presId="urn:microsoft.com/office/officeart/2005/8/layout/vList3"/>
+    <dgm:cxn modelId="{6B52FF13-B5BC-4091-8A6A-C941BB7B0660}" type="presParOf" srcId="{7D4A810A-A6D4-47BA-AF8D-AB4F73C04080}" destId="{69DE5637-6198-4292-ADFF-69DC2A063BC5}" srcOrd="0" destOrd="4" presId="urn:microsoft.com/office/officeart/2005/8/layout/vList3"/>
+    <dgm:cxn modelId="{B4076A46-ACED-4650-9430-66D7F62210F9}" type="presParOf" srcId="{7D4A810A-A6D4-47BA-AF8D-AB4F73C04080}" destId="{00C34D87-B2DD-493A-BAA2-1A14EA17DEB1}" srcOrd="1" destOrd="4" presId="urn:microsoft.com/office/officeart/2005/8/layout/vList3"/>
+    <dgm:cxn modelId="{0391AC68-BF46-4F41-B56A-6977C7B0652E}" type="presOf" srcId="{25EF8B53-4C57-43A4-9FE1-40C318A0AD88}" destId="{00C34D87-B2DD-493A-BAA2-1A14EA17DEB1}" srcOrd="0" destOrd="0" presId="urn:microsoft.com/office/officeart/2005/8/layout/vList3"/>
   </dgm:cxnLst>
   <dgm:bg/>
   <dgm:whole/>
@@ -2608,7 +2608,9 @@
         </a:fontRef>
       </dsp:style>
       <dsp:txBody>
-        <a:bodyPr rot="10800000" vert="horz" wrap="square" lIns="471789" tIns="175260" rIns="327152" bIns="175260" anchor="ctr"/>
+        <a:bodyPr rot="10800000" vert="horz" wrap="square" lIns="471789" tIns="175260" rIns="327152" bIns="175260" anchor="ctr">
+          <a:normAutofit/>
+        </a:bodyPr>
         <a:lstStyle>
           <a:lvl1pPr algn="ctr">
             <a:defRPr sz="4600"/>
@@ -2649,13 +2651,14 @@
             <a:spcAft>
               <a:spcPct val="35000"/>
             </a:spcAft>
+            <a:buNone/>
           </a:pPr>
           <a:r>
             <a:rPr lang="zh-CN" altLang="en-US">
               <a:latin typeface="等线 Light" panose="02010600030101010101" charset="-122"/>
               <a:ea typeface="等线 Light" panose="02010600030101010101" charset="-122"/>
             </a:rPr>
-            <a:t>春联</a:t>
+            <a:t>对联</a:t>
           </a:r>
           <a:r>
             <a:rPr lang="zh-CN" altLang="en-US">
@@ -7253,7 +7256,6 @@
           <a:p>
             <a:r>
               <a:rPr lang="zh-CN" altLang="en-US" sz="8000">
-                <a:ln/>
                 <a:gradFill>
                   <a:gsLst>
                     <a:gs pos="0">
@@ -7283,7 +7285,6 @@
               <a:t>墨香联韵</a:t>
             </a:r>
             <a:endParaRPr lang="zh-CN" altLang="en-US" sz="8000">
-              <a:ln/>
               <a:gradFill>
                 <a:gsLst>
                   <a:gs pos="0">

--- a/downloads/对联.pptx
+++ b/downloads/对联.pptx
@@ -1,6 +1,6 @@
 
 <file path=ppt/presentation.xml><?xml version="1.0" encoding="utf-8"?>
-<p:presentation xmlns:a="http://schemas.openxmlformats.org/drawingml/2006/main" xmlns:r="http://schemas.openxmlformats.org/officeDocument/2006/relationships" xmlns:p="http://schemas.openxmlformats.org/presentationml/2006/main">
+<p:presentation xmlns:a="http://schemas.openxmlformats.org/drawingml/2006/main" xmlns:r="http://schemas.openxmlformats.org/officeDocument/2006/relationships" xmlns:p="http://schemas.openxmlformats.org/presentationml/2006/main" embedTrueTypeFonts="1" saveSubsetFonts="1">
   <p:sldMasterIdLst>
     <p:sldMasterId id="2147483648" r:id="rId1"/>
   </p:sldMasterIdLst>
@@ -22,8 +22,41 @@
   </p:sldIdLst>
   <p:sldSz cx="12192000" cy="6858000"/>
   <p:notesSz cx="6858000" cy="9144000"/>
+  <p:embeddedFontLst>
+    <p:embeddedFont>
+      <p:font typeface="楷体" panose="02010609060101010101" charset="-122"/>
+      <p:regular r:id="rId18"/>
+    </p:embeddedFont>
+    <p:embeddedFont>
+      <p:font typeface="微软雅黑 Light" panose="020B0502040204020203" charset="-122"/>
+      <p:regular r:id="rId19"/>
+    </p:embeddedFont>
+    <p:embeddedFont>
+      <p:font typeface="仿宋" panose="02010609060101010101" charset="-122"/>
+      <p:regular r:id="rId20"/>
+    </p:embeddedFont>
+    <p:embeddedFont>
+      <p:font typeface="等线 Light" panose="02010600030101010101" charset="-122"/>
+      <p:regular r:id="rId21"/>
+    </p:embeddedFont>
+    <p:embeddedFont>
+      <p:font typeface="阿里巴巴普惠体 3.0 45 Light" panose="00020600040101010101" charset="-122"/>
+      <p:regular r:id="rId22"/>
+    </p:embeddedFont>
+    <p:embeddedFont>
+      <p:font typeface="微软雅黑" panose="020B0503020204020204" charset="-122"/>
+      <p:regular r:id="rId23"/>
+    </p:embeddedFont>
+    <p:embeddedFont>
+      <p:font typeface="Calibri" panose="020F0502020204030204" charset="0"/>
+      <p:regular r:id="rId24"/>
+      <p:bold r:id="rId25"/>
+      <p:italic r:id="rId26"/>
+      <p:boldItalic r:id="rId27"/>
+    </p:embeddedFont>
+  </p:embeddedFontLst>
   <p:custDataLst>
-    <p:tags r:id="rId18"/>
+    <p:tags r:id="rId28"/>
   </p:custDataLst>
   <p:defaultTextStyle>
     <a:defPPr>
@@ -2608,9 +2641,7 @@
         </a:fontRef>
       </dsp:style>
       <dsp:txBody>
-        <a:bodyPr rot="10800000" vert="horz" wrap="square" lIns="471789" tIns="175260" rIns="327152" bIns="175260" anchor="ctr">
-          <a:normAutofit/>
-        </a:bodyPr>
+        <a:bodyPr rot="10800000" vert="horz" wrap="square" lIns="471789" tIns="175260" rIns="327152" bIns="175260" anchor="ctr"/>
         <a:lstStyle>
           <a:lvl1pPr algn="ctr">
             <a:defRPr sz="4600"/>
@@ -2651,7 +2682,6 @@
             <a:spcAft>
               <a:spcPct val="35000"/>
             </a:spcAft>
-            <a:buNone/>
           </a:pPr>
           <a:r>
             <a:rPr lang="zh-CN" altLang="en-US">
@@ -9432,7 +9462,10 @@
             <a:r>
               <a:rPr lang="zh-CN" altLang="en-US" sz="2000">
                 <a:solidFill>
-                  <a:schemeClr val="bg1"/>
+                  <a:schemeClr val="tx1">
+                    <a:lumMod val="95000"/>
+                    <a:lumOff val="5000"/>
+                  </a:schemeClr>
                 </a:solidFill>
                 <a:latin typeface="仿宋" panose="02010609060101010101" charset="-122"/>
                 <a:ea typeface="仿宋" panose="02010609060101010101" charset="-122"/>
@@ -9890,7 +9923,10 @@
             <a:r>
               <a:rPr lang="zh-CN" altLang="en-US" sz="2000">
                 <a:solidFill>
-                  <a:schemeClr val="bg1"/>
+                  <a:schemeClr val="tx1">
+                    <a:lumMod val="95000"/>
+                    <a:lumOff val="5000"/>
+                  </a:schemeClr>
                 </a:solidFill>
                 <a:latin typeface="仿宋" panose="02010609060101010101" charset="-122"/>
                 <a:ea typeface="仿宋" panose="02010609060101010101" charset="-122"/>
